--- a/img/certification/fake_developers_sample.pptx
+++ b/img/certification/fake_developers_sample.pptx
@@ -2754,8 +2754,8 @@
         </p:nvSpPr>
         <p:spPr>
           <a:xfrm>
-            <a:off x="1382367" y="1317550"/>
-            <a:ext cx="1908557" cy="269241"/>
+            <a:off x="1289402" y="1279291"/>
+            <a:ext cx="2094485" cy="269241"/>
           </a:xfrm>
           <a:prstGeom prst="rect">
             <a:avLst/>
@@ -2789,7 +2789,7 @@
           <a:p>
             <a:pPr/>
             <a:r>
-              <a:t>인천대학교 가짜개발자 □기</a:t>
+              <a:t>인천대학교 가짜개발자 시즌 □</a:t>
             </a:r>
           </a:p>
         </p:txBody>
@@ -2803,7 +2803,7 @@
         <p:spPr>
           <a:xfrm>
             <a:off x="5289680" y="3724064"/>
-            <a:ext cx="4883992" cy="878841"/>
+            <a:ext cx="4883992" cy="926381"/>
           </a:xfrm>
           <a:prstGeom prst="rect">
             <a:avLst/>
@@ -2841,7 +2841,7 @@
               </a:defRPr>
             </a:pPr>
             <a:r>
-              <a:t>본 수료생은 8주간 진행된</a:t>
+              <a:t>본 수료생은 □주간 진행된</a:t>
             </a:r>
           </a:p>
           <a:p>
@@ -2863,7 +2863,7 @@
               </a:defRPr>
             </a:pPr>
             <a:r>
-              <a:t>가짜개발자 □기 스터디 과정을 모두 이수하였기에</a:t>
+              <a:t>가짜개발자 시즌 □ 스터디 과정을 모두 이수하였기에</a:t>
             </a:r>
           </a:p>
           <a:p>
@@ -2938,7 +2938,7 @@
         <p:spPr>
           <a:xfrm>
             <a:off x="5297748" y="4884672"/>
-            <a:ext cx="1372770" cy="281941"/>
+            <a:ext cx="1241347" cy="297788"/>
           </a:xfrm>
           <a:prstGeom prst="rect">
             <a:avLst/>
@@ -2992,8 +2992,8 @@
         </p:nvSpPr>
         <p:spPr>
           <a:xfrm>
-            <a:off x="5287172" y="5812091"/>
-            <a:ext cx="1639571" cy="281941"/>
+            <a:off x="5109204" y="5812091"/>
+            <a:ext cx="1729054" cy="297788"/>
           </a:xfrm>
           <a:prstGeom prst="rect">
             <a:avLst/>
@@ -3033,7 +3033,7 @@
           <a:p>
             <a:pPr/>
             <a:r>
-              <a:t>가짜개발자 □기  회장</a:t>
+              <a:t>가짜개발자 시즌 □ 리더</a:t>
             </a:r>
           </a:p>
         </p:txBody>
@@ -3140,139 +3140,9 @@
           </a:p>
         </p:txBody>
       </p:sp>
-      <p:sp>
-        <p:nvSpPr>
-          <p:cNvPr id="102" name="TextBox 16"/>
-          <p:cNvSpPr txBox="1"/>
-          <p:nvPr/>
-        </p:nvSpPr>
-        <p:spPr>
-          <a:xfrm>
-            <a:off x="5278568" y="1600571"/>
-            <a:ext cx="3376420" cy="1107441"/>
-          </a:xfrm>
-          <a:prstGeom prst="rect">
-            <a:avLst/>
-          </a:prstGeom>
-          <a:ln w="12700">
-            <a:miter lim="400000"/>
-          </a:ln>
-          <a:extLst>
-            <a:ext uri="{C572A759-6A51-4108-AA02-DFA0A04FC94B}">
-              <ma14:wrappingTextBoxFlag xmlns:ma14="http://schemas.microsoft.com/office/mac/drawingml/2011/main" val="1"/>
-            </a:ext>
-          </a:extLst>
-        </p:spPr>
-        <p:txBody>
-          <a:bodyPr lIns="45719" rIns="45719">
-            <a:spAutoFit/>
-          </a:bodyPr>
-          <a:lstStyle/>
-          <a:p>
-            <a:pPr>
-              <a:lnSpc>
-                <a:spcPct val="150000"/>
-              </a:lnSpc>
-              <a:spcBef>
-                <a:spcPts val="100"/>
-              </a:spcBef>
-              <a:defRPr sz="1200">
-                <a:solidFill>
-                  <a:srgbClr val="304C31"/>
-                </a:solidFill>
-                <a:latin typeface="나눔고딕"/>
-                <a:ea typeface="나눔고딕"/>
-                <a:cs typeface="나눔고딕"/>
-                <a:sym typeface="나눔고딕"/>
-              </a:defRPr>
-            </a:pPr>
-            <a:r>
-              <a:t>이름</a:t>
-            </a:r>
-            <a:r>
-              <a:t>: □ □ □</a:t>
-            </a:r>
-          </a:p>
-          <a:p>
-            <a:pPr>
-              <a:lnSpc>
-                <a:spcPct val="150000"/>
-              </a:lnSpc>
-              <a:spcBef>
-                <a:spcPts val="100"/>
-              </a:spcBef>
-              <a:defRPr sz="1200">
-                <a:solidFill>
-                  <a:srgbClr val="304C31"/>
-                </a:solidFill>
-                <a:latin typeface="나눔고딕"/>
-                <a:ea typeface="나눔고딕"/>
-                <a:cs typeface="나눔고딕"/>
-                <a:sym typeface="나눔고딕"/>
-              </a:defRPr>
-            </a:pPr>
-            <a:r>
-              <a:t>소속</a:t>
-            </a:r>
-            <a:r>
-              <a:t>: 인천대학교 정보기술대학</a:t>
-            </a:r>
-          </a:p>
-          <a:p>
-            <a:pPr>
-              <a:lnSpc>
-                <a:spcPct val="150000"/>
-              </a:lnSpc>
-              <a:spcBef>
-                <a:spcPts val="100"/>
-              </a:spcBef>
-              <a:defRPr sz="1200">
-                <a:solidFill>
-                  <a:srgbClr val="304C31"/>
-                </a:solidFill>
-                <a:latin typeface="나눔고딕"/>
-                <a:ea typeface="나눔고딕"/>
-                <a:cs typeface="나눔고딕"/>
-                <a:sym typeface="나눔고딕"/>
-              </a:defRPr>
-            </a:pPr>
-            <a:r>
-              <a:t>교육명</a:t>
-            </a:r>
-            <a:r>
-              <a:t>: 가짜개발자 □기</a:t>
-            </a:r>
-          </a:p>
-          <a:p>
-            <a:pPr>
-              <a:lnSpc>
-                <a:spcPct val="150000"/>
-              </a:lnSpc>
-              <a:spcBef>
-                <a:spcPts val="100"/>
-              </a:spcBef>
-              <a:defRPr sz="1200">
-                <a:solidFill>
-                  <a:srgbClr val="304C31"/>
-                </a:solidFill>
-                <a:latin typeface="나눔고딕"/>
-                <a:ea typeface="나눔고딕"/>
-                <a:cs typeface="나눔고딕"/>
-                <a:sym typeface="나눔고딕"/>
-              </a:defRPr>
-            </a:pPr>
-            <a:r>
-              <a:t>기간</a:t>
-            </a:r>
-            <a:r>
-              <a:t>: 2021.□□.□□. ~ 2021.□□.□□. </a:t>
-            </a:r>
-          </a:p>
-        </p:txBody>
-      </p:sp>
       <p:pic>
         <p:nvPicPr>
-          <p:cNvPr id="103" name="New Project (1).png" descr="New Project (1).png"/>
+          <p:cNvPr id="102" name="New Project (1).png" descr="New Project (1).png"/>
           <p:cNvPicPr>
             <a:picLocks noChangeAspect="1"/>
           </p:cNvPicPr>
@@ -3301,7 +3171,7 @@
       </p:pic>
       <p:pic>
         <p:nvPicPr>
-          <p:cNvPr id="104" name="printpic.gif" descr="printpic.gif"/>
+          <p:cNvPr id="103" name="printpic.gif" descr="printpic.gif"/>
           <p:cNvPicPr>
             <a:picLocks noChangeAspect="1"/>
           </p:cNvPicPr>
@@ -3328,6 +3198,136 @@
           </a:ln>
         </p:spPr>
       </p:pic>
+      <p:sp>
+        <p:nvSpPr>
+          <p:cNvPr id="104" name="TextBox 16"/>
+          <p:cNvSpPr txBox="1"/>
+          <p:nvPr/>
+        </p:nvSpPr>
+        <p:spPr>
+          <a:xfrm>
+            <a:off x="5278568" y="1600571"/>
+            <a:ext cx="3376420" cy="1193266"/>
+          </a:xfrm>
+          <a:prstGeom prst="rect">
+            <a:avLst/>
+          </a:prstGeom>
+          <a:ln w="12700">
+            <a:miter lim="400000"/>
+          </a:ln>
+          <a:extLst>
+            <a:ext uri="{C572A759-6A51-4108-AA02-DFA0A04FC94B}">
+              <ma14:wrappingTextBoxFlag xmlns:ma14="http://schemas.microsoft.com/office/mac/drawingml/2011/main" val="1"/>
+            </a:ext>
+          </a:extLst>
+        </p:spPr>
+        <p:txBody>
+          <a:bodyPr lIns="45719" rIns="45719">
+            <a:spAutoFit/>
+          </a:bodyPr>
+          <a:lstStyle/>
+          <a:p>
+            <a:pPr>
+              <a:lnSpc>
+                <a:spcPct val="150000"/>
+              </a:lnSpc>
+              <a:spcBef>
+                <a:spcPts val="100"/>
+              </a:spcBef>
+              <a:defRPr sz="1200">
+                <a:solidFill>
+                  <a:srgbClr val="304C31"/>
+                </a:solidFill>
+                <a:latin typeface="나눔고딕"/>
+                <a:ea typeface="나눔고딕"/>
+                <a:cs typeface="나눔고딕"/>
+                <a:sym typeface="나눔고딕"/>
+              </a:defRPr>
+            </a:pPr>
+            <a:r>
+              <a:t>이름</a:t>
+            </a:r>
+            <a:r>
+              <a:t>: □ □ □</a:t>
+            </a:r>
+          </a:p>
+          <a:p>
+            <a:pPr>
+              <a:lnSpc>
+                <a:spcPct val="150000"/>
+              </a:lnSpc>
+              <a:spcBef>
+                <a:spcPts val="100"/>
+              </a:spcBef>
+              <a:defRPr sz="1200">
+                <a:solidFill>
+                  <a:srgbClr val="304C31"/>
+                </a:solidFill>
+                <a:latin typeface="나눔고딕"/>
+                <a:ea typeface="나눔고딕"/>
+                <a:cs typeface="나눔고딕"/>
+                <a:sym typeface="나눔고딕"/>
+              </a:defRPr>
+            </a:pPr>
+            <a:r>
+              <a:t>소속</a:t>
+            </a:r>
+            <a:r>
+              <a:t>: 인천대학교 □단과□대학</a:t>
+            </a:r>
+          </a:p>
+          <a:p>
+            <a:pPr>
+              <a:lnSpc>
+                <a:spcPct val="150000"/>
+              </a:lnSpc>
+              <a:spcBef>
+                <a:spcPts val="100"/>
+              </a:spcBef>
+              <a:defRPr sz="1200">
+                <a:solidFill>
+                  <a:srgbClr val="304C31"/>
+                </a:solidFill>
+                <a:latin typeface="나눔고딕"/>
+                <a:ea typeface="나눔고딕"/>
+                <a:cs typeface="나눔고딕"/>
+                <a:sym typeface="나눔고딕"/>
+              </a:defRPr>
+            </a:pPr>
+            <a:r>
+              <a:t>교육명</a:t>
+            </a:r>
+            <a:r>
+              <a:t>: 가짜개발자 시즌 □</a:t>
+            </a:r>
+          </a:p>
+          <a:p>
+            <a:pPr>
+              <a:lnSpc>
+                <a:spcPct val="150000"/>
+              </a:lnSpc>
+              <a:spcBef>
+                <a:spcPts val="100"/>
+              </a:spcBef>
+              <a:defRPr sz="1200">
+                <a:solidFill>
+                  <a:srgbClr val="304C31"/>
+                </a:solidFill>
+                <a:latin typeface="나눔고딕"/>
+                <a:ea typeface="나눔고딕"/>
+                <a:cs typeface="나눔고딕"/>
+                <a:sym typeface="나눔고딕"/>
+              </a:defRPr>
+            </a:pPr>
+            <a:r>
+              <a:t>기간</a:t>
+            </a:r>
+            <a:r>
+              <a:t>: 2021.□□.□□. ~ 2021.□□.□□. </a:t>
+            </a:r>
+          </a:p>
+        </p:txBody>
+      </p:sp>
     </p:spTree>
   </p:cSld>
   <p:clrMapOvr>
